--- a/99_ansible_notes.pptx
+++ b/99_ansible_notes.pptx
@@ -10,6 +10,7 @@
     <p:sldId id="258" r:id="rId5"/>
     <p:sldId id="259" r:id="rId6"/>
     <p:sldId id="260" r:id="rId7"/>
+    <p:sldId id="261" r:id="rId8"/>
   </p:sldIdLst>
   <p:sldSz cx="9144000" cy="6858000"/>
   <p:notesSz cx="7559675" cy="10691812"/>
@@ -1661,7 +1662,7 @@
         <p:spPr>
           <a:xfrm>
             <a:off x="685800" y="2130480"/>
-            <a:ext cx="7766640" cy="1464120"/>
+            <a:ext cx="7766280" cy="1463760"/>
           </a:xfrm>
           <a:prstGeom prst="rect">
             <a:avLst/>
@@ -1712,7 +1713,7 @@
         <p:spPr>
           <a:xfrm>
             <a:off x="1371600" y="3886200"/>
-            <a:ext cx="6395040" cy="1746720"/>
+            <a:ext cx="6394680" cy="1746360"/>
           </a:xfrm>
           <a:prstGeom prst="rect">
             <a:avLst/>
@@ -1826,8 +1827,8 @@
         </p:blipFill>
         <p:spPr>
           <a:xfrm>
-            <a:off x="1451160" y="2669040"/>
-            <a:ext cx="6427080" cy="2941200"/>
+            <a:off x="529200" y="1463040"/>
+            <a:ext cx="8066160" cy="1047240"/>
           </a:xfrm>
           <a:prstGeom prst="rect">
             <a:avLst/>
@@ -1837,57 +1838,6 @@
           </a:ln>
         </p:spPr>
       </p:pic>
-      <p:sp>
-        <p:nvSpPr>
-          <p:cNvPr id="41" name="CustomShape 1"/>
-          <p:cNvSpPr/>
-          <p:nvPr/>
-        </p:nvSpPr>
-        <p:spPr>
-          <a:xfrm>
-            <a:off x="2743200" y="1645920"/>
-            <a:ext cx="3747960" cy="363960"/>
-          </a:xfrm>
-          <a:prstGeom prst="rect">
-            <a:avLst/>
-          </a:prstGeom>
-          <a:noFill/>
-          <a:ln>
-            <a:noFill/>
-          </a:ln>
-        </p:spPr>
-        <p:style>
-          <a:lnRef idx="0"/>
-          <a:fillRef idx="0"/>
-          <a:effectRef idx="0"/>
-          <a:fontRef idx="minor"/>
-        </p:style>
-        <p:txBody>
-          <a:bodyPr lIns="90000" rIns="90000" tIns="45000" bIns="45000">
-            <a:spAutoFit/>
-          </a:bodyPr>
-          <a:p>
-            <a:pPr>
-              <a:lnSpc>
-                <a:spcPct val="100000"/>
-              </a:lnSpc>
-            </a:pPr>
-            <a:r>
-              <a:rPr b="0" lang="en-US" sz="1800" spc="-1" strike="noStrike">
-                <a:solidFill>
-                  <a:srgbClr val="000000"/>
-                </a:solidFill>
-                <a:latin typeface="Arial"/>
-                <a:ea typeface="DejaVu Sans"/>
-              </a:rPr>
-              <a:t>ansible_install_ctrm_v1</a:t>
-            </a:r>
-            <a:endParaRPr b="0" lang="en-US" sz="1800" spc="-1" strike="noStrike">
-              <a:latin typeface="Arial"/>
-            </a:endParaRPr>
-          </a:p>
-        </p:txBody>
-      </p:sp>
     </p:spTree>
   </p:cSld>
   <mc:AlternateContent>
@@ -1947,7 +1897,7 @@
       </p:grpSpPr>
       <p:pic>
         <p:nvPicPr>
-          <p:cNvPr id="42" name="" descr=""/>
+          <p:cNvPr id="41" name="" descr=""/>
           <p:cNvPicPr/>
           <p:nvPr/>
         </p:nvPicPr>
@@ -1957,8 +1907,8 @@
         </p:blipFill>
         <p:spPr>
           <a:xfrm>
-            <a:off x="3829680" y="2834640"/>
-            <a:ext cx="5130360" cy="3630600"/>
+            <a:off x="1451160" y="2669040"/>
+            <a:ext cx="6426720" cy="2940840"/>
           </a:xfrm>
           <a:prstGeom prst="rect">
             <a:avLst/>
@@ -1968,29 +1918,57 @@
           </a:ln>
         </p:spPr>
       </p:pic>
-      <p:pic>
-        <p:nvPicPr>
-          <p:cNvPr id="43" name="" descr=""/>
-          <p:cNvPicPr/>
+      <p:sp>
+        <p:nvSpPr>
+          <p:cNvPr id="42" name="CustomShape 1"/>
+          <p:cNvSpPr/>
           <p:nvPr/>
-        </p:nvPicPr>
-        <p:blipFill>
-          <a:blip r:embed="rId2"/>
-          <a:stretch/>
-        </p:blipFill>
-        <p:spPr>
-          <a:xfrm>
-            <a:off x="548640" y="1273320"/>
-            <a:ext cx="7484040" cy="1103040"/>
-          </a:xfrm>
-          <a:prstGeom prst="rect">
-            <a:avLst/>
-          </a:prstGeom>
+        </p:nvSpPr>
+        <p:spPr>
+          <a:xfrm>
+            <a:off x="2743200" y="1645920"/>
+            <a:ext cx="3747600" cy="363960"/>
+          </a:xfrm>
+          <a:prstGeom prst="rect">
+            <a:avLst/>
+          </a:prstGeom>
+          <a:noFill/>
           <a:ln>
             <a:noFill/>
           </a:ln>
         </p:spPr>
-      </p:pic>
+        <p:style>
+          <a:lnRef idx="0"/>
+          <a:fillRef idx="0"/>
+          <a:effectRef idx="0"/>
+          <a:fontRef idx="minor"/>
+        </p:style>
+        <p:txBody>
+          <a:bodyPr lIns="90000" rIns="90000" tIns="45000" bIns="45000">
+            <a:spAutoFit/>
+          </a:bodyPr>
+          <a:p>
+            <a:pPr>
+              <a:lnSpc>
+                <a:spcPct val="100000"/>
+              </a:lnSpc>
+            </a:pPr>
+            <a:r>
+              <a:rPr b="0" lang="en-US" sz="1800" spc="-1" strike="noStrike">
+                <a:solidFill>
+                  <a:srgbClr val="000000"/>
+                </a:solidFill>
+                <a:latin typeface="Arial"/>
+                <a:ea typeface="DejaVu Sans"/>
+              </a:rPr>
+              <a:t>ansible_install_ctrm_v1</a:t>
+            </a:r>
+            <a:endParaRPr b="0" lang="en-US" sz="1800" spc="-1" strike="noStrike">
+              <a:latin typeface="Arial"/>
+            </a:endParaRPr>
+          </a:p>
+        </p:txBody>
+      </p:sp>
     </p:spTree>
   </p:cSld>
   <mc:AlternateContent>
@@ -2050,7 +2028,7 @@
       </p:grpSpPr>
       <p:pic>
         <p:nvPicPr>
-          <p:cNvPr id="44" name="" descr=""/>
+          <p:cNvPr id="43" name="" descr=""/>
           <p:cNvPicPr/>
           <p:nvPr/>
         </p:nvPicPr>
@@ -2060,8 +2038,8 @@
         </p:blipFill>
         <p:spPr>
           <a:xfrm>
-            <a:off x="321480" y="1920240"/>
-            <a:ext cx="6901560" cy="2090520"/>
+            <a:off x="3829680" y="2834640"/>
+            <a:ext cx="5130000" cy="3630240"/>
           </a:xfrm>
           <a:prstGeom prst="rect">
             <a:avLst/>
@@ -2073,7 +2051,7 @@
       </p:pic>
       <p:pic>
         <p:nvPicPr>
-          <p:cNvPr id="45" name="" descr=""/>
+          <p:cNvPr id="44" name="" descr=""/>
           <p:cNvPicPr/>
           <p:nvPr/>
         </p:nvPicPr>
@@ -2083,31 +2061,8 @@
         </p:blipFill>
         <p:spPr>
           <a:xfrm>
-            <a:off x="412560" y="938880"/>
-            <a:ext cx="6400080" cy="838800"/>
-          </a:xfrm>
-          <a:prstGeom prst="rect">
-            <a:avLst/>
-          </a:prstGeom>
-          <a:ln>
-            <a:noFill/>
-          </a:ln>
-        </p:spPr>
-      </p:pic>
-      <p:pic>
-        <p:nvPicPr>
-          <p:cNvPr id="46" name="" descr=""/>
-          <p:cNvPicPr/>
-          <p:nvPr/>
-        </p:nvPicPr>
-        <p:blipFill>
-          <a:blip r:embed="rId3"/>
-          <a:stretch/>
-        </p:blipFill>
-        <p:spPr>
-          <a:xfrm>
-            <a:off x="4663440" y="3308760"/>
-            <a:ext cx="4240080" cy="3365640"/>
+            <a:off x="548640" y="1273320"/>
+            <a:ext cx="7483680" cy="1102680"/>
           </a:xfrm>
           <a:prstGeom prst="rect">
             <a:avLst/>
@@ -2176,7 +2131,7 @@
       </p:grpSpPr>
       <p:pic>
         <p:nvPicPr>
-          <p:cNvPr id="47" name="" descr=""/>
+          <p:cNvPr id="45" name="" descr=""/>
           <p:cNvPicPr/>
           <p:nvPr/>
         </p:nvPicPr>
@@ -2186,8 +2141,8 @@
         </p:blipFill>
         <p:spPr>
           <a:xfrm>
-            <a:off x="302400" y="982080"/>
-            <a:ext cx="6829200" cy="2828880"/>
+            <a:off x="321480" y="1920240"/>
+            <a:ext cx="6901200" cy="2090160"/>
           </a:xfrm>
           <a:prstGeom prst="rect">
             <a:avLst/>
@@ -2199,7 +2154,7 @@
       </p:pic>
       <p:pic>
         <p:nvPicPr>
-          <p:cNvPr id="48" name="" descr=""/>
+          <p:cNvPr id="46" name="" descr=""/>
           <p:cNvPicPr/>
           <p:nvPr/>
         </p:nvPicPr>
@@ -2209,8 +2164,31 @@
         </p:blipFill>
         <p:spPr>
           <a:xfrm>
-            <a:off x="5120640" y="3017520"/>
-            <a:ext cx="3839760" cy="3481560"/>
+            <a:off x="412560" y="938880"/>
+            <a:ext cx="6399720" cy="838440"/>
+          </a:xfrm>
+          <a:prstGeom prst="rect">
+            <a:avLst/>
+          </a:prstGeom>
+          <a:ln>
+            <a:noFill/>
+          </a:ln>
+        </p:spPr>
+      </p:pic>
+      <p:pic>
+        <p:nvPicPr>
+          <p:cNvPr id="47" name="" descr=""/>
+          <p:cNvPicPr/>
+          <p:nvPr/>
+        </p:nvPicPr>
+        <p:blipFill>
+          <a:blip r:embed="rId3"/>
+          <a:stretch/>
+        </p:blipFill>
+        <p:spPr>
+          <a:xfrm>
+            <a:off x="4663440" y="3308760"/>
+            <a:ext cx="4239720" cy="3365280"/>
           </a:xfrm>
           <a:prstGeom prst="rect">
             <a:avLst/>
@@ -2237,6 +2215,109 @@
           <p:childTnLst>
             <p:seq>
               <p:cTn id="10" dur="indefinite" nodeType="mainSeq"/>
+              <p:prevCondLst>
+                <p:cond delay="0" evt="onPrev">
+                  <p:tgtEl>
+                    <p:sldTgt/>
+                  </p:tgtEl>
+                </p:cond>
+              </p:prevCondLst>
+              <p:nextCondLst>
+                <p:cond delay="0" evt="onNext">
+                  <p:tgtEl>
+                    <p:sldTgt/>
+                  </p:tgtEl>
+                </p:cond>
+              </p:nextCondLst>
+            </p:seq>
+          </p:childTnLst>
+        </p:cTn>
+      </p:par>
+    </p:tnLst>
+  </p:timing>
+</p:sld>
+</file>
+
+<file path=ppt/slides/slide6.xml><?xml version="1.0" encoding="utf-8"?>
+<p:sld xmlns:a="http://schemas.openxmlformats.org/drawingml/2006/main" xmlns:p="http://schemas.openxmlformats.org/presentationml/2006/main" xmlns:r="http://schemas.openxmlformats.org/officeDocument/2006/relationships" xmlns:p14="http://schemas.microsoft.com/office/powerpoint/2010/main" xmlns:p15="http://schemas.microsoft.com/office/powerpoint/2012/main" xmlns:mc="http://schemas.openxmlformats.org/markup-compatibility/2006">
+  <p:cSld>
+    <p:spTree>
+      <p:nvGrpSpPr>
+        <p:cNvPr id="1" name=""/>
+        <p:cNvGrpSpPr/>
+        <p:nvPr/>
+      </p:nvGrpSpPr>
+      <p:grpSpPr>
+        <a:xfrm>
+          <a:off x="0" y="0"/>
+          <a:ext cx="0" cy="0"/>
+          <a:chOff x="0" y="0"/>
+          <a:chExt cx="0" cy="0"/>
+        </a:xfrm>
+      </p:grpSpPr>
+      <p:pic>
+        <p:nvPicPr>
+          <p:cNvPr id="48" name="" descr=""/>
+          <p:cNvPicPr/>
+          <p:nvPr/>
+        </p:nvPicPr>
+        <p:blipFill>
+          <a:blip r:embed="rId1"/>
+          <a:stretch/>
+        </p:blipFill>
+        <p:spPr>
+          <a:xfrm>
+            <a:off x="302400" y="982080"/>
+            <a:ext cx="6828840" cy="2828520"/>
+          </a:xfrm>
+          <a:prstGeom prst="rect">
+            <a:avLst/>
+          </a:prstGeom>
+          <a:ln>
+            <a:noFill/>
+          </a:ln>
+        </p:spPr>
+      </p:pic>
+      <p:pic>
+        <p:nvPicPr>
+          <p:cNvPr id="49" name="" descr=""/>
+          <p:cNvPicPr/>
+          <p:nvPr/>
+        </p:nvPicPr>
+        <p:blipFill>
+          <a:blip r:embed="rId2"/>
+          <a:stretch/>
+        </p:blipFill>
+        <p:spPr>
+          <a:xfrm>
+            <a:off x="5120640" y="3017520"/>
+            <a:ext cx="3839400" cy="3481200"/>
+          </a:xfrm>
+          <a:prstGeom prst="rect">
+            <a:avLst/>
+          </a:prstGeom>
+          <a:ln>
+            <a:noFill/>
+          </a:ln>
+        </p:spPr>
+      </p:pic>
+    </p:spTree>
+  </p:cSld>
+  <mc:AlternateContent>
+    <mc:Choice Requires="p14">
+      <p:transition spd="slow" p14:dur="2000"/>
+    </mc:Choice>
+    <mc:Fallback>
+      <p:transition spd="slow"/>
+    </mc:Fallback>
+  </mc:AlternateContent>
+  <p:timing>
+    <p:tnLst>
+      <p:par>
+        <p:cTn id="11" dur="indefinite" restart="never" nodeType="tmRoot">
+          <p:childTnLst>
+            <p:seq>
+              <p:cTn id="12" dur="indefinite" nodeType="mainSeq"/>
               <p:prevCondLst>
                 <p:cond delay="0" evt="onPrev">
                   <p:tgtEl>
